--- a/课件/后缀自动机 by gxb.pptx
+++ b/课件/后缀自动机 by gxb.pptx
@@ -427,7 +427,7 @@
             <a:fld id="{530820CF-B880-4189-942D-D702A7CBA730}" type="datetimeFigureOut">
               <a:rPr lang="zh-CN" altLang="en-US" smtClean="0"/>
               <a:pPr/>
-              <a:t>2019/1/22</a:t>
+              <a:t>2022/1/3</a:t>
             </a:fld>
             <a:endParaRPr lang="zh-CN" altLang="en-US"/>
           </a:p>
@@ -594,7 +594,7 @@
             <a:fld id="{530820CF-B880-4189-942D-D702A7CBA730}" type="datetimeFigureOut">
               <a:rPr lang="zh-CN" altLang="en-US" smtClean="0"/>
               <a:pPr/>
-              <a:t>2019/1/22</a:t>
+              <a:t>2022/1/3</a:t>
             </a:fld>
             <a:endParaRPr lang="zh-CN" altLang="en-US"/>
           </a:p>
@@ -771,7 +771,7 @@
             <a:fld id="{530820CF-B880-4189-942D-D702A7CBA730}" type="datetimeFigureOut">
               <a:rPr lang="zh-CN" altLang="en-US" smtClean="0"/>
               <a:pPr/>
-              <a:t>2019/1/22</a:t>
+              <a:t>2022/1/3</a:t>
             </a:fld>
             <a:endParaRPr lang="zh-CN" altLang="en-US"/>
           </a:p>
@@ -920,7 +920,7 @@
             <a:fld id="{530820CF-B880-4189-942D-D702A7CBA730}" type="datetimeFigureOut">
               <a:rPr lang="zh-CN" altLang="en-US" smtClean="0"/>
               <a:pPr/>
-              <a:t>2019/1/22</a:t>
+              <a:t>2022/1/3</a:t>
             </a:fld>
             <a:endParaRPr lang="zh-CN" altLang="en-US"/>
           </a:p>
@@ -1039,7 +1039,7 @@
             <a:fld id="{530820CF-B880-4189-942D-D702A7CBA730}" type="datetimeFigureOut">
               <a:rPr lang="zh-CN" altLang="en-US" smtClean="0"/>
               <a:pPr/>
-              <a:t>2019/1/22</a:t>
+              <a:t>2022/1/3</a:t>
             </a:fld>
             <a:endParaRPr lang="zh-CN" altLang="en-US"/>
           </a:p>
@@ -1311,7 +1311,7 @@
             <a:fld id="{530820CF-B880-4189-942D-D702A7CBA730}" type="datetimeFigureOut">
               <a:rPr lang="zh-CN" altLang="en-US" smtClean="0"/>
               <a:pPr/>
-              <a:t>2019/1/22</a:t>
+              <a:t>2022/1/3</a:t>
             </a:fld>
             <a:endParaRPr lang="zh-CN" altLang="en-US"/>
           </a:p>
@@ -1583,7 +1583,7 @@
             <a:fld id="{530820CF-B880-4189-942D-D702A7CBA730}" type="datetimeFigureOut">
               <a:rPr lang="zh-CN" altLang="en-US" smtClean="0"/>
               <a:pPr/>
-              <a:t>2019/1/22</a:t>
+              <a:t>2022/1/3</a:t>
             </a:fld>
             <a:endParaRPr lang="zh-CN" altLang="en-US"/>
           </a:p>
@@ -2031,7 +2031,7 @@
             <a:fld id="{530820CF-B880-4189-942D-D702A7CBA730}" type="datetimeFigureOut">
               <a:rPr lang="zh-CN" altLang="en-US" smtClean="0"/>
               <a:pPr/>
-              <a:t>2019/1/22</a:t>
+              <a:t>2022/1/3</a:t>
             </a:fld>
             <a:endParaRPr lang="zh-CN" altLang="en-US"/>
           </a:p>
@@ -2146,7 +2146,7 @@
             <a:fld id="{530820CF-B880-4189-942D-D702A7CBA730}" type="datetimeFigureOut">
               <a:rPr lang="zh-CN" altLang="en-US" smtClean="0"/>
               <a:pPr/>
-              <a:t>2019/1/22</a:t>
+              <a:t>2022/1/3</a:t>
             </a:fld>
             <a:endParaRPr lang="zh-CN" altLang="en-US"/>
           </a:p>
@@ -2398,7 +2398,7 @@
             <a:fld id="{530820CF-B880-4189-942D-D702A7CBA730}" type="datetimeFigureOut">
               <a:rPr lang="zh-CN" altLang="en-US" smtClean="0"/>
               <a:pPr/>
-              <a:t>2019/1/22</a:t>
+              <a:t>2022/1/3</a:t>
             </a:fld>
             <a:endParaRPr lang="zh-CN" altLang="en-US"/>
           </a:p>
@@ -2640,7 +2640,7 @@
             <a:fld id="{530820CF-B880-4189-942D-D702A7CBA730}" type="datetimeFigureOut">
               <a:rPr lang="zh-CN" altLang="en-US" smtClean="0"/>
               <a:pPr/>
-              <a:t>2019/1/22</a:t>
+              <a:t>2022/1/3</a:t>
             </a:fld>
             <a:endParaRPr lang="zh-CN" altLang="en-US"/>
           </a:p>
@@ -2815,7 +2815,7 @@
             <a:fld id="{530820CF-B880-4189-942D-D702A7CBA730}" type="datetimeFigureOut">
               <a:rPr lang="zh-CN" altLang="en-US" smtClean="0"/>
               <a:pPr/>
-              <a:t>2019/1/22</a:t>
+              <a:t>2022/1/3</a:t>
             </a:fld>
             <a:endParaRPr lang="zh-CN" altLang="en-US"/>
           </a:p>
@@ -3303,6 +3303,13 @@
           <a:lstStyle/>
           <a:p>
             <a:r>
+              <a:rPr lang="en-US" altLang="zh-CN" dirty="0" err="1"/>
+              <a:t>SovietPower</a:t>
+            </a:r>
+            <a:endParaRPr lang="en-US" altLang="zh-CN" dirty="0"/>
+          </a:p>
+          <a:p>
+            <a:r>
               <a:rPr lang="zh-CN" altLang="en-US" dirty="0"/>
               <a:t>备忘：背景之后改回去</a:t>
             </a:r>
@@ -3324,7 +3331,10 @@
           <a:bodyPr/>
           <a:lstStyle/>
           <a:p>
-            <a:endParaRPr lang="zh-CN" altLang="en-US" dirty="0"/>
+            <a:r>
+              <a:rPr lang="zh-CN" altLang="en-US" dirty="0"/>
+              <a:t>后缀自动机</a:t>
+            </a:r>
           </a:p>
         </p:txBody>
       </p:sp>
